--- a/Documentation/PETSCHEWY.pptx
+++ b/Documentation/PETSCHEWY.pptx
@@ -308,7 +308,7 @@
           <a:p>
             <a:fld id="{48A87A34-81AB-432B-8DAE-1953F412C126}" type="datetimeFigureOut">
               <a:rPr lang="en-US" dirty="0"/>
-              <a:t>10/11/2020</a:t>
+              <a:t>12/2/2020</a:t>
             </a:fld>
             <a:endParaRPr lang="en-US" dirty="0"/>
           </a:p>
@@ -570,7 +570,7 @@
           <a:p>
             <a:fld id="{48A87A34-81AB-432B-8DAE-1953F412C126}" type="datetimeFigureOut">
               <a:rPr lang="en-US" dirty="0"/>
-              <a:t>10/11/2020</a:t>
+              <a:t>12/2/2020</a:t>
             </a:fld>
             <a:endParaRPr lang="en-US" dirty="0"/>
           </a:p>
@@ -797,7 +797,7 @@
             <a:fld id="{48A87A34-81AB-432B-8DAE-1953F412C126}" type="datetimeFigureOut">
               <a:rPr lang="en-US" dirty="0"/>
               <a:pPr/>
-              <a:t>10/11/2020</a:t>
+              <a:t>12/2/2020</a:t>
             </a:fld>
             <a:endParaRPr lang="en-US" dirty="0"/>
           </a:p>
@@ -1103,7 +1103,7 @@
             <a:fld id="{48A87A34-81AB-432B-8DAE-1953F412C126}" type="datetimeFigureOut">
               <a:rPr lang="en-US" dirty="0"/>
               <a:pPr/>
-              <a:t>10/11/2020</a:t>
+              <a:t>12/2/2020</a:t>
             </a:fld>
             <a:endParaRPr lang="en-US" dirty="0"/>
           </a:p>
@@ -1572,7 +1572,7 @@
             <a:fld id="{48A87A34-81AB-432B-8DAE-1953F412C126}" type="datetimeFigureOut">
               <a:rPr lang="en-US" dirty="0"/>
               <a:pPr/>
-              <a:t>10/11/2020</a:t>
+              <a:t>12/2/2020</a:t>
             </a:fld>
             <a:endParaRPr lang="en-US" dirty="0"/>
           </a:p>
@@ -2114,7 +2114,7 @@
           <a:p>
             <a:fld id="{48A87A34-81AB-432B-8DAE-1953F412C126}" type="datetimeFigureOut">
               <a:rPr lang="en-US" dirty="0"/>
-              <a:t>10/11/2020</a:t>
+              <a:t>12/2/2020</a:t>
             </a:fld>
             <a:endParaRPr lang="en-US" dirty="0"/>
           </a:p>
@@ -2883,7 +2883,7 @@
           <a:p>
             <a:fld id="{48A87A34-81AB-432B-8DAE-1953F412C126}" type="datetimeFigureOut">
               <a:rPr lang="en-US" dirty="0"/>
-              <a:t>10/11/2020</a:t>
+              <a:t>12/2/2020</a:t>
             </a:fld>
             <a:endParaRPr lang="en-US" dirty="0"/>
           </a:p>
@@ -3053,7 +3053,7 @@
           <a:p>
             <a:fld id="{48A87A34-81AB-432B-8DAE-1953F412C126}" type="datetimeFigureOut">
               <a:rPr lang="en-US" dirty="0"/>
-              <a:t>10/11/2020</a:t>
+              <a:t>12/2/2020</a:t>
             </a:fld>
             <a:endParaRPr lang="en-US" dirty="0"/>
           </a:p>
@@ -3272,7 +3272,7 @@
             <a:fld id="{48A87A34-81AB-432B-8DAE-1953F412C126}" type="datetimeFigureOut">
               <a:rPr lang="en-US" dirty="0"/>
               <a:pPr/>
-              <a:t>10/11/2020</a:t>
+              <a:t>12/2/2020</a:t>
             </a:fld>
             <a:endParaRPr lang="en-US" dirty="0"/>
           </a:p>
@@ -3447,7 +3447,7 @@
           <a:p>
             <a:fld id="{48A87A34-81AB-432B-8DAE-1953F412C126}" type="datetimeFigureOut">
               <a:rPr lang="en-US" dirty="0"/>
-              <a:t>10/11/2020</a:t>
+              <a:t>12/2/2020</a:t>
             </a:fld>
             <a:endParaRPr lang="en-US" dirty="0"/>
           </a:p>
@@ -3732,7 +3732,7 @@
             <a:fld id="{48A87A34-81AB-432B-8DAE-1953F412C126}" type="datetimeFigureOut">
               <a:rPr lang="en-US" dirty="0"/>
               <a:pPr/>
-              <a:t>10/11/2020</a:t>
+              <a:t>12/2/2020</a:t>
             </a:fld>
             <a:endParaRPr lang="en-US" dirty="0"/>
           </a:p>
@@ -3969,7 +3969,7 @@
           <a:p>
             <a:fld id="{48A87A34-81AB-432B-8DAE-1953F412C126}" type="datetimeFigureOut">
               <a:rPr lang="en-US" dirty="0"/>
-              <a:t>10/11/2020</a:t>
+              <a:t>12/2/2020</a:t>
             </a:fld>
             <a:endParaRPr lang="en-US" dirty="0"/>
           </a:p>
@@ -4343,7 +4343,7 @@
           <a:p>
             <a:fld id="{48A87A34-81AB-432B-8DAE-1953F412C126}" type="datetimeFigureOut">
               <a:rPr lang="en-US" dirty="0"/>
-              <a:t>10/11/2020</a:t>
+              <a:t>12/2/2020</a:t>
             </a:fld>
             <a:endParaRPr lang="en-US" dirty="0"/>
           </a:p>
@@ -4456,7 +4456,7 @@
           <a:p>
             <a:fld id="{48A87A34-81AB-432B-8DAE-1953F412C126}" type="datetimeFigureOut">
               <a:rPr lang="en-US" dirty="0"/>
-              <a:t>10/11/2020</a:t>
+              <a:t>12/2/2020</a:t>
             </a:fld>
             <a:endParaRPr lang="en-US" dirty="0"/>
           </a:p>
@@ -4546,7 +4546,7 @@
           <a:p>
             <a:fld id="{48A87A34-81AB-432B-8DAE-1953F412C126}" type="datetimeFigureOut">
               <a:rPr lang="en-US" dirty="0"/>
-              <a:t>10/11/2020</a:t>
+              <a:t>12/2/2020</a:t>
             </a:fld>
             <a:endParaRPr lang="en-US" dirty="0"/>
           </a:p>
@@ -4790,7 +4790,7 @@
           <a:p>
             <a:fld id="{48A87A34-81AB-432B-8DAE-1953F412C126}" type="datetimeFigureOut">
               <a:rPr lang="en-US" dirty="0"/>
-              <a:t>10/11/2020</a:t>
+              <a:t>12/2/2020</a:t>
             </a:fld>
             <a:endParaRPr lang="en-US" dirty="0"/>
           </a:p>
@@ -5042,7 +5042,7 @@
           <a:p>
             <a:fld id="{48A87A34-81AB-432B-8DAE-1953F412C126}" type="datetimeFigureOut">
               <a:rPr lang="en-US" dirty="0"/>
-              <a:t>10/11/2020</a:t>
+              <a:t>12/2/2020</a:t>
             </a:fld>
             <a:endParaRPr lang="en-US" dirty="0"/>
           </a:p>
@@ -5281,7 +5281,7 @@
             <a:fld id="{48A87A34-81AB-432B-8DAE-1953F412C126}" type="datetimeFigureOut">
               <a:rPr lang="en-US" dirty="0"/>
               <a:pPr/>
-              <a:t>10/11/2020</a:t>
+              <a:t>12/2/2020</a:t>
             </a:fld>
             <a:endParaRPr lang="en-US" dirty="0"/>
           </a:p>
@@ -5864,7 +5864,17 @@
           <a:p>
             <a:r>
               <a:rPr lang="en-US" dirty="0" smtClean="0"/>
-              <a:t>Admin Login</a:t>
+              <a:t>Admin </a:t>
+            </a:r>
+            <a:r>
+              <a:rPr lang="en-US" dirty="0" smtClean="0"/>
+              <a:t>Login</a:t>
+            </a:r>
+          </a:p>
+          <a:p>
+            <a:r>
+              <a:rPr lang="en-US" dirty="0" smtClean="0"/>
+              <a:t>Admin Home Page</a:t>
             </a:r>
             <a:endParaRPr lang="en-US" dirty="0"/>
           </a:p>
@@ -5900,6 +5910,19 @@
             <a:r>
               <a:rPr lang="en-US" dirty="0" smtClean="0"/>
               <a:t> </a:t>
+            </a:r>
+            <a:endParaRPr lang="en-US" dirty="0" smtClean="0"/>
+          </a:p>
+          <a:p>
+            <a:r>
+              <a:rPr lang="en-US" dirty="0" smtClean="0"/>
+              <a:t>Set Security Questions</a:t>
+            </a:r>
+          </a:p>
+          <a:p>
+            <a:r>
+              <a:rPr lang="en-US" dirty="0" smtClean="0"/>
+              <a:t>Forgot Password</a:t>
             </a:r>
             <a:endParaRPr lang="en-US" dirty="0" smtClean="0"/>
           </a:p>
@@ -6156,14 +6179,12 @@
               <a:rPr lang="en-US" dirty="0" smtClean="0"/>
               <a:t>maintenance</a:t>
             </a:r>
-            <a:endParaRPr lang="en-US" dirty="0" smtClean="0"/>
           </a:p>
           <a:p>
             <a:r>
               <a:rPr lang="en-US" dirty="0" smtClean="0"/>
               <a:t>Search</a:t>
             </a:r>
-            <a:endParaRPr lang="en-US" dirty="0" smtClean="0"/>
           </a:p>
           <a:p>
             <a:r>
@@ -6313,11 +6334,7 @@
           <a:p>
             <a:r>
               <a:rPr lang="en-US" dirty="0" smtClean="0"/>
-              <a:t>Order </a:t>
-            </a:r>
-            <a:r>
-              <a:rPr lang="en-US" dirty="0" smtClean="0"/>
-              <a:t>confirmation</a:t>
+              <a:t>Order confirmation</a:t>
             </a:r>
           </a:p>
           <a:p>
@@ -6473,7 +6490,6 @@
               <a:rPr lang="en-US" dirty="0" smtClean="0"/>
               <a:t>Shipping address Confirmation</a:t>
             </a:r>
-            <a:endParaRPr lang="en-US" dirty="0" smtClean="0"/>
           </a:p>
           <a:p>
             <a:r>
@@ -6574,7 +6590,6 @@
               <a:rPr lang="en-US" dirty="0" smtClean="0"/>
               <a:t>Header</a:t>
             </a:r>
-            <a:endParaRPr lang="en-US" dirty="0" smtClean="0"/>
           </a:p>
           <a:p>
             <a:r>
@@ -7510,7 +7525,6 @@
               <a:rPr lang="en-US" dirty="0" smtClean="0"/>
               <a:t>About Page</a:t>
             </a:r>
-            <a:endParaRPr lang="en-US" dirty="0" smtClean="0"/>
           </a:p>
           <a:p>
             <a:r>
@@ -7756,26 +7770,14 @@
           <a:p>
             <a:r>
               <a:rPr lang="en-US" dirty="0" smtClean="0"/>
-              <a:t>As of now we have completed </a:t>
-            </a:r>
+              <a:t>As of now we have completed 90% of the total project.</a:t>
+            </a:r>
+            <a:endParaRPr lang="en-US" dirty="0"/>
+          </a:p>
+          <a:p>
             <a:r>
               <a:rPr lang="en-US" dirty="0" smtClean="0"/>
-              <a:t>90</a:t>
-            </a:r>
-            <a:r>
-              <a:rPr lang="en-US" dirty="0" smtClean="0"/>
-              <a:t>% of the total project.</a:t>
-            </a:r>
-            <a:endParaRPr lang="en-US" dirty="0"/>
-          </a:p>
-          <a:p>
-            <a:r>
-              <a:rPr lang="en-US" dirty="0" smtClean="0"/>
-              <a:t>We need to work </a:t>
-            </a:r>
-            <a:r>
-              <a:rPr lang="en-US" dirty="0" smtClean="0"/>
-              <a:t>on UI Improvements and Documentation.</a:t>
+              <a:t>We need to work on UI Improvements and Documentation.</a:t>
             </a:r>
             <a:endParaRPr lang="en-US" dirty="0"/>
           </a:p>
@@ -8480,13 +8482,8 @@
             </a:pPr>
             <a:r>
               <a:rPr lang="en-US" sz="2000" dirty="0" smtClean="0"/>
-              <a:t>Software and hardware </a:t>
-            </a:r>
-            <a:r>
-              <a:rPr lang="en-US" sz="2000" dirty="0" smtClean="0"/>
-              <a:t>requirements</a:t>
-            </a:r>
-            <a:endParaRPr lang="en-US" sz="2000" dirty="0" smtClean="0"/>
+              <a:t>Software and hardware requirements</a:t>
+            </a:r>
           </a:p>
           <a:p>
             <a:pPr marL="342900" indent="-342900">
